--- a/download/history-v1-done.pptx
+++ b/download/history-v1-done.pptx
@@ -147,10 +147,11 @@
 <p1510:revInfo xmlns:a="http://schemas.openxmlformats.org/drawingml/2006/main" xmlns:r="http://schemas.openxmlformats.org/officeDocument/2006/relationships" xmlns:p1510="http://schemas.microsoft.com/office/powerpoint/2015/10/main">
   <p1510:revLst>
     <p1510:client id="{11D330F0-C959-4130-A15A-DFA62B63A99C}" v="420" dt="2022-11-29T14:41:41.716"/>
+    <p1510:client id="{C64E2F78-1AE0-4DD6-9165-4A7052FD65C1}" v="3" dt="2022-11-29T15:37:47.084"/>
     <p1510:client id="{D483DC99-7027-4F44-8EC9-4B8EA4553B33}" v="218" dt="2022-11-29T14:12:59.435"/>
     <p1510:client id="{DA3B57BC-2199-4ABA-BCD4-C1346E6B6793}" v="757" dt="2022-11-29T12:51:13.923"/>
     <p1510:client id="{DEBCD486-72A2-4F28-82D8-6DC1F442B31F}" v="69" dt="2022-11-29T12:57:49.513"/>
-    <p1510:client id="{FE32629B-3F85-4A9C-ABBF-C3CB33D2A88A}" v="1" dt="2022-11-29T15:15:24.772"/>
+    <p1510:client id="{FE32629B-3F85-4A9C-ABBF-C3CB33D2A88A}" v="2" dt="2022-11-29T15:15:32.851"/>
   </p1510:revLst>
 </p1510:revInfo>
 </file>
@@ -17168,14 +17169,14 @@
           <a:p>
             <a:pPr algn="ctr"/>
             <a:r>
-              <a:rPr lang="en-US" sz="3600">
+              <a:rPr lang="en-US" sz="3600" dirty="0">
                 <a:latin typeface="DengXian"/>
                 <a:ea typeface="+mn-lt"/>
                 <a:cs typeface="+mn-lt"/>
               </a:rPr>
               <a:t>HISTORY QUIZ 2022</a:t>
             </a:r>
-            <a:endParaRPr lang="en-US" sz="3600">
+            <a:endParaRPr lang="en-US" sz="3600" dirty="0">
               <a:latin typeface="DengXian"/>
               <a:ea typeface="DengXian"/>
             </a:endParaRPr>
@@ -17307,9 +17308,9 @@
                 <a:ea typeface="+mn-lt"/>
                 <a:cs typeface="+mn-lt"/>
               </a:rPr>
-              <a:t> KRITHARTH KRISHNA</a:t>
-            </a:r>
-            <a:endParaRPr lang="en-US">
+              <a:t> KRITARTH KRISHNA</a:t>
+            </a:r>
+            <a:endParaRPr lang="en-US" dirty="0">
               <a:solidFill>
                 <a:schemeClr val="bg2"/>
               </a:solidFill>

--- a/download/history-v1-done.pptx
+++ b/download/history-v1-done.pptx
@@ -147,6 +147,7 @@
 <p1510:revInfo xmlns:a="http://schemas.openxmlformats.org/drawingml/2006/main" xmlns:r="http://schemas.openxmlformats.org/officeDocument/2006/relationships" xmlns:p1510="http://schemas.microsoft.com/office/powerpoint/2015/10/main">
   <p1510:revLst>
     <p1510:client id="{11D330F0-C959-4130-A15A-DFA62B63A99C}" v="420" dt="2022-11-29T14:41:41.716"/>
+    <p1510:client id="{B9082746-A6F2-407A-8A64-5A9C97136F2E}" v="2" dt="2022-11-29T16:41:14.843"/>
     <p1510:client id="{C64E2F78-1AE0-4DD6-9165-4A7052FD65C1}" v="3" dt="2022-11-29T15:37:47.084"/>
     <p1510:client id="{D483DC99-7027-4F44-8EC9-4B8EA4553B33}" v="218" dt="2022-11-29T14:12:59.435"/>
     <p1510:client id="{DA3B57BC-2199-4ABA-BCD4-C1346E6B6793}" v="757" dt="2022-11-29T12:51:13.923"/>
@@ -17330,7 +17331,7 @@
                 <a:ea typeface="+mn-lt"/>
                 <a:cs typeface="+mn-lt"/>
               </a:rPr>
-              <a:t>AMAYDEEP MINZ</a:t>
+              <a:t>AMAY DEEP MINZ</a:t>
             </a:r>
           </a:p>
           <a:p>
